--- a/ai/_documents/Robert features 14.05.pptx
+++ b/ai/_documents/Robert features 14.05.pptx
@@ -5,15 +5,19 @@
     <p:sldMasterId id="2147483648" r:id="rId1"/>
   </p:sldMasterIdLst>
   <p:notesMasterIdLst>
-    <p:notesMasterId r:id="rId8"/>
+    <p:notesMasterId r:id="rId12"/>
   </p:notesMasterIdLst>
   <p:sldIdLst>
     <p:sldId id="256" r:id="rId2"/>
-    <p:sldId id="257" r:id="rId3"/>
-    <p:sldId id="260" r:id="rId4"/>
-    <p:sldId id="258" r:id="rId5"/>
-    <p:sldId id="259" r:id="rId6"/>
-    <p:sldId id="261" r:id="rId7"/>
+    <p:sldId id="266" r:id="rId3"/>
+    <p:sldId id="262" r:id="rId4"/>
+    <p:sldId id="260" r:id="rId5"/>
+    <p:sldId id="263" r:id="rId6"/>
+    <p:sldId id="264" r:id="rId7"/>
+    <p:sldId id="267" r:id="rId8"/>
+    <p:sldId id="259" r:id="rId9"/>
+    <p:sldId id="261" r:id="rId10"/>
+    <p:sldId id="265" r:id="rId11"/>
   </p:sldIdLst>
   <p:sldSz cx="12192000" cy="6858000"/>
   <p:notesSz cx="6858000" cy="9144000"/>
@@ -112,6 +116,11 @@
       </a:defRPr>
     </a:lvl9pPr>
   </p:defaultTextStyle>
+  <p:extLst>
+    <p:ext uri="{EFAFB233-063F-42B5-8137-9DF3F51BA10A}">
+      <p15:sldGuideLst xmlns:p15="http://schemas.microsoft.com/office/powerpoint/2012/main"/>
+    </p:ext>
+  </p:extLst>
 </p:presentation>
 </file>
 
@@ -534,7 +543,7 @@
           <a:p>
             <a:fld id="{6CC47EA0-F3D2-459E-9959-3CD5C77E739D}" type="slidenum">
               <a:rPr lang="LID4096" smtClean="0"/>
-              <a:t>3</a:t>
+              <a:t>4</a:t>
             </a:fld>
             <a:endParaRPr lang="LID4096"/>
           </a:p>
@@ -622,7 +631,7 @@
           <a:p>
             <a:fld id="{6CC47EA0-F3D2-459E-9959-3CD5C77E739D}" type="slidenum">
               <a:rPr lang="LID4096" smtClean="0"/>
-              <a:t>5</a:t>
+              <a:t>8</a:t>
             </a:fld>
             <a:endParaRPr lang="LID4096"/>
           </a:p>
@@ -3958,36 +3967,6 @@
                 <a:latin typeface="Slack-Lato"/>
               </a:rPr>
             </a:br>
-            <a:r>
-              <a:rPr lang="en-US" b="0" i="0" dirty="0">
-                <a:solidFill>
-                  <a:srgbClr val="1D1C1D"/>
-                </a:solidFill>
-                <a:effectLst/>
-                <a:latin typeface="Slack-Lato"/>
-              </a:rPr>
-              <a:t>killer features of the </a:t>
-            </a:r>
-            <a:r>
-              <a:rPr lang="en-US" b="0" i="0" dirty="0" err="1">
-                <a:solidFill>
-                  <a:srgbClr val="1D1C1D"/>
-                </a:solidFill>
-                <a:effectLst/>
-                <a:latin typeface="Slack-Lato"/>
-              </a:rPr>
-              <a:t>obs</a:t>
-            </a:r>
-            <a:r>
-              <a:rPr lang="en-US" b="0" i="0" dirty="0">
-                <a:solidFill>
-                  <a:srgbClr val="1D1C1D"/>
-                </a:solidFill>
-                <a:effectLst/>
-                <a:latin typeface="Slack-Lato"/>
-              </a:rPr>
-              <a:t> MVP for the ideas lab, keeping in mind time and budget, and then killer features post ideas lab</a:t>
-            </a:r>
             <a:endParaRPr lang="LID4096" dirty="0"/>
           </a:p>
         </p:txBody>
@@ -4008,12 +3987,23 @@
             <p:ph type="subTitle" idx="1"/>
           </p:nvPr>
         </p:nvSpPr>
-        <p:spPr/>
-        <p:txBody>
-          <a:bodyPr/>
-          <a:lstStyle/>
-          <a:p>
-            <a:endParaRPr lang="LID4096"/>
+        <p:spPr>
+          <a:xfrm>
+            <a:off x="1394691" y="2774157"/>
+            <a:ext cx="9144000" cy="1655762"/>
+          </a:xfrm>
+        </p:spPr>
+        <p:txBody>
+          <a:bodyPr>
+            <a:normAutofit fontScale="92500"/>
+          </a:bodyPr>
+          <a:lstStyle/>
+          <a:p>
+            <a:r>
+              <a:rPr lang="en-US" sz="4800" dirty="0"/>
+              <a:t>Ideas for the Observatory MVP: Before and after the launch at Ideas Lab</a:t>
+            </a:r>
+            <a:endParaRPr lang="LID4096" sz="4800" dirty="0"/>
           </a:p>
         </p:txBody>
       </p:sp>
@@ -4021,6 +4011,120 @@
     <p:extLst>
       <p:ext uri="{BB962C8B-B14F-4D97-AF65-F5344CB8AC3E}">
         <p14:creationId xmlns:p14="http://schemas.microsoft.com/office/powerpoint/2010/main" val="18604164"/>
+      </p:ext>
+    </p:extLst>
+  </p:cSld>
+  <p:clrMapOvr>
+    <a:masterClrMapping/>
+  </p:clrMapOvr>
+</p:sld>
+</file>
+
+<file path=ppt/slides/slide10.xml><?xml version="1.0" encoding="utf-8"?>
+<p:sld xmlns:a="http://schemas.openxmlformats.org/drawingml/2006/main" xmlns:r="http://schemas.openxmlformats.org/officeDocument/2006/relationships" xmlns:p="http://schemas.openxmlformats.org/presentationml/2006/main">
+  <p:cSld>
+    <p:spTree>
+      <p:nvGrpSpPr>
+        <p:cNvPr id="1" name=""/>
+        <p:cNvGrpSpPr/>
+        <p:nvPr/>
+      </p:nvGrpSpPr>
+      <p:grpSpPr>
+        <a:xfrm>
+          <a:off x="0" y="0"/>
+          <a:ext cx="0" cy="0"/>
+          <a:chOff x="0" y="0"/>
+          <a:chExt cx="0" cy="0"/>
+        </a:xfrm>
+      </p:grpSpPr>
+      <p:sp>
+        <p:nvSpPr>
+          <p:cNvPr id="2" name="Title 1">
+            <a:extLst>
+              <a:ext uri="{FF2B5EF4-FFF2-40B4-BE49-F238E27FC236}">
+                <a16:creationId xmlns:a16="http://schemas.microsoft.com/office/drawing/2014/main" id="{5C839F2A-A77E-6A0E-1FA5-4C8FC914D855}"/>
+              </a:ext>
+            </a:extLst>
+          </p:cNvPr>
+          <p:cNvSpPr>
+            <a:spLocks noGrp="1"/>
+          </p:cNvSpPr>
+          <p:nvPr>
+            <p:ph type="title"/>
+          </p:nvPr>
+        </p:nvSpPr>
+        <p:spPr/>
+        <p:txBody>
+          <a:bodyPr/>
+          <a:lstStyle/>
+          <a:p>
+            <a:r>
+              <a:rPr lang="en-US" dirty="0"/>
+              <a:t>AI job board</a:t>
+            </a:r>
+            <a:endParaRPr lang="LID4096" dirty="0"/>
+          </a:p>
+        </p:txBody>
+      </p:sp>
+      <p:sp>
+        <p:nvSpPr>
+          <p:cNvPr id="3" name="Content Placeholder 2">
+            <a:extLst>
+              <a:ext uri="{FF2B5EF4-FFF2-40B4-BE49-F238E27FC236}">
+                <a16:creationId xmlns:a16="http://schemas.microsoft.com/office/drawing/2014/main" id="{46F20026-B13C-6AA7-256D-561999BBF210}"/>
+              </a:ext>
+            </a:extLst>
+          </p:cNvPr>
+          <p:cNvSpPr>
+            <a:spLocks noGrp="1"/>
+          </p:cNvSpPr>
+          <p:nvPr>
+            <p:ph idx="1"/>
+          </p:nvPr>
+        </p:nvSpPr>
+        <p:spPr/>
+        <p:txBody>
+          <a:bodyPr/>
+          <a:lstStyle/>
+          <a:p>
+            <a:endParaRPr lang="LID4096"/>
+          </a:p>
+        </p:txBody>
+      </p:sp>
+      <p:pic>
+        <p:nvPicPr>
+          <p:cNvPr id="5" name="Picture 4">
+            <a:extLst>
+              <a:ext uri="{FF2B5EF4-FFF2-40B4-BE49-F238E27FC236}">
+                <a16:creationId xmlns:a16="http://schemas.microsoft.com/office/drawing/2014/main" id="{263B7D90-A56F-D17F-D023-E45A11C911A9}"/>
+              </a:ext>
+            </a:extLst>
+          </p:cNvPr>
+          <p:cNvPicPr>
+            <a:picLocks noChangeAspect="1"/>
+          </p:cNvPicPr>
+          <p:nvPr/>
+        </p:nvPicPr>
+        <p:blipFill>
+          <a:blip r:embed="rId2"/>
+          <a:stretch>
+            <a:fillRect/>
+          </a:stretch>
+        </p:blipFill>
+        <p:spPr>
+          <a:xfrm>
+            <a:off x="442123" y="1825625"/>
+            <a:ext cx="11307753" cy="3924848"/>
+          </a:xfrm>
+          <a:prstGeom prst="rect">
+            <a:avLst/>
+          </a:prstGeom>
+        </p:spPr>
+      </p:pic>
+    </p:spTree>
+    <p:extLst>
+      <p:ext uri="{BB962C8B-B14F-4D97-AF65-F5344CB8AC3E}">
+        <p14:creationId xmlns:p14="http://schemas.microsoft.com/office/powerpoint/2010/main" val="2831969027"/>
       </p:ext>
     </p:extLst>
   </p:cSld>
@@ -4052,7 +4156,7 @@
           <p:cNvPr id="2" name="Title 1">
             <a:extLst>
               <a:ext uri="{FF2B5EF4-FFF2-40B4-BE49-F238E27FC236}">
-                <a16:creationId xmlns:a16="http://schemas.microsoft.com/office/drawing/2014/main" id="{38A6A416-F491-E54A-D3FE-57E710A3087C}"/>
+                <a16:creationId xmlns:a16="http://schemas.microsoft.com/office/drawing/2014/main" id="{0CF63F6F-A30D-2333-9DBF-E3AE75D29159}"/>
               </a:ext>
             </a:extLst>
           </p:cNvPr>
@@ -4081,7 +4185,7 @@
           <p:cNvPr id="3" name="Content Placeholder 2">
             <a:extLst>
               <a:ext uri="{FF2B5EF4-FFF2-40B4-BE49-F238E27FC236}">
-                <a16:creationId xmlns:a16="http://schemas.microsoft.com/office/drawing/2014/main" id="{F9345D1A-671B-34E5-7492-6FD917487827}"/>
+                <a16:creationId xmlns:a16="http://schemas.microsoft.com/office/drawing/2014/main" id="{12E6D92D-013D-E300-E202-88F543FB1C3B}"/>
               </a:ext>
             </a:extLst>
           </p:cNvPr>
@@ -4097,30 +4201,14 @@
           <a:bodyPr/>
           <a:lstStyle/>
           <a:p>
-            <a:r>
-              <a:rPr lang="en-US" dirty="0"/>
-              <a:t>Book recommendations for the academy</a:t>
-            </a:r>
-          </a:p>
-          <a:p>
-            <a:r>
-              <a:rPr lang="en-US" dirty="0"/>
-              <a:t>Manually select top profiles</a:t>
-            </a:r>
-          </a:p>
-          <a:p>
-            <a:r>
-              <a:rPr lang="en-US" dirty="0"/>
-              <a:t>Simple ranking based on one variable</a:t>
-            </a:r>
-            <a:endParaRPr lang="LID4096" dirty="0"/>
+            <a:endParaRPr lang="LID4096"/>
           </a:p>
         </p:txBody>
       </p:sp>
     </p:spTree>
     <p:extLst>
       <p:ext uri="{BB962C8B-B14F-4D97-AF65-F5344CB8AC3E}">
-        <p14:creationId xmlns:p14="http://schemas.microsoft.com/office/powerpoint/2010/main" val="1089512085"/>
+        <p14:creationId xmlns:p14="http://schemas.microsoft.com/office/powerpoint/2010/main" val="2710923948"/>
       </p:ext>
     </p:extLst>
   </p:cSld>
@@ -4152,7 +4240,7 @@
           <p:cNvPr id="2" name="Title 1">
             <a:extLst>
               <a:ext uri="{FF2B5EF4-FFF2-40B4-BE49-F238E27FC236}">
-                <a16:creationId xmlns:a16="http://schemas.microsoft.com/office/drawing/2014/main" id="{FA634546-050A-DB57-59FB-15091D3A7E8C}"/>
+                <a16:creationId xmlns:a16="http://schemas.microsoft.com/office/drawing/2014/main" id="{3CA48EA8-6555-1CCA-4CCE-5685A2AD3AEF}"/>
               </a:ext>
             </a:extLst>
           </p:cNvPr>
@@ -4168,7 +4256,11 @@
           <a:bodyPr/>
           <a:lstStyle/>
           <a:p>
-            <a:endParaRPr lang="LID4096"/>
+            <a:r>
+              <a:rPr lang="en-US" dirty="0"/>
+              <a:t>Book recommendations from experts like PA</a:t>
+            </a:r>
+            <a:endParaRPr lang="LID4096" dirty="0"/>
           </a:p>
         </p:txBody>
       </p:sp>
@@ -4177,7 +4269,7 @@
           <p:cNvPr id="3" name="Content Placeholder 2">
             <a:extLst>
               <a:ext uri="{FF2B5EF4-FFF2-40B4-BE49-F238E27FC236}">
-                <a16:creationId xmlns:a16="http://schemas.microsoft.com/office/drawing/2014/main" id="{5CB489C8-4585-DF08-F995-DDB55A3C23E6}"/>
+                <a16:creationId xmlns:a16="http://schemas.microsoft.com/office/drawing/2014/main" id="{C13C5E6E-56C7-F8FF-2627-5A72DB022443}"/>
               </a:ext>
             </a:extLst>
           </p:cNvPr>
@@ -4188,11 +4280,246 @@
             <p:ph idx="1"/>
           </p:nvPr>
         </p:nvSpPr>
-        <p:spPr/>
-        <p:txBody>
-          <a:bodyPr/>
-          <a:lstStyle/>
-          <a:p>
+        <p:spPr>
+          <a:xfrm>
+            <a:off x="5961888" y="2141537"/>
+            <a:ext cx="6041136" cy="4351338"/>
+          </a:xfrm>
+        </p:spPr>
+        <p:txBody>
+          <a:bodyPr>
+            <a:normAutofit fontScale="55000" lnSpcReduction="20000"/>
+          </a:bodyPr>
+          <a:lstStyle/>
+          <a:p>
+            <a:r>
+              <a:rPr lang="en-US" dirty="0"/>
+              <a:t>1. "</a:t>
+            </a:r>
+            <a:r>
+              <a:rPr lang="en-US" dirty="0" err="1"/>
+              <a:t>L'Intelligence</a:t>
+            </a:r>
+            <a:r>
+              <a:rPr lang="en-US" dirty="0"/>
+              <a:t> </a:t>
+            </a:r>
+            <a:r>
+              <a:rPr lang="en-US" dirty="0" err="1"/>
+              <a:t>Artificielle</a:t>
+            </a:r>
+            <a:r>
+              <a:rPr lang="en-US" dirty="0"/>
+              <a:t> et la Nouvelle Société" by Yann Le </a:t>
+            </a:r>
+            <a:r>
+              <a:rPr lang="en-US" dirty="0" err="1"/>
+              <a:t>Cun</a:t>
+            </a:r>
+            <a:r>
+              <a:rPr lang="en-US" dirty="0"/>
+              <a:t>, Yoshua Bengio, and </a:t>
+            </a:r>
+            <a:r>
+              <a:rPr lang="en-US" dirty="0" err="1"/>
+              <a:t>Hervé</a:t>
+            </a:r>
+            <a:r>
+              <a:rPr lang="en-US" dirty="0"/>
+              <a:t> Le </a:t>
+            </a:r>
+            <a:r>
+              <a:rPr lang="en-US" dirty="0" err="1"/>
+              <a:t>Crosnier</a:t>
+            </a:r>
+            <a:r>
+              <a:rPr lang="en-US" dirty="0"/>
+              <a:t> - This book delves into the societal impacts of AI, exploring its potential to reshape industries and economies, likely touching on industrial policy aspects.</a:t>
+            </a:r>
+          </a:p>
+          <a:p>
+            <a:r>
+              <a:rPr lang="en-US" dirty="0"/>
+              <a:t>2. "La </a:t>
+            </a:r>
+            <a:r>
+              <a:rPr lang="en-US" dirty="0" err="1"/>
+              <a:t>révolution</a:t>
+            </a:r>
+            <a:r>
+              <a:rPr lang="en-US" dirty="0"/>
+              <a:t> de </a:t>
+            </a:r>
+            <a:r>
+              <a:rPr lang="en-US" dirty="0" err="1"/>
+              <a:t>l'intelligence</a:t>
+            </a:r>
+            <a:r>
+              <a:rPr lang="en-US" dirty="0"/>
+              <a:t> </a:t>
+            </a:r>
+            <a:r>
+              <a:rPr lang="en-US" dirty="0" err="1"/>
+              <a:t>artificielle</a:t>
+            </a:r>
+            <a:r>
+              <a:rPr lang="en-US" dirty="0"/>
+              <a:t>" by Stéphane </a:t>
+            </a:r>
+            <a:r>
+              <a:rPr lang="en-US" dirty="0" err="1"/>
+              <a:t>Mallat</a:t>
+            </a:r>
+            <a:r>
+              <a:rPr lang="en-US" dirty="0"/>
+              <a:t> - </a:t>
+            </a:r>
+            <a:r>
+              <a:rPr lang="en-US" dirty="0" err="1"/>
+              <a:t>Mallat</a:t>
+            </a:r>
+            <a:r>
+              <a:rPr lang="en-US" dirty="0"/>
+              <a:t> is a prominent figure in the French AI community, and this book might offer insights into both the technical and societal dimensions of AI, potentially with a nod to industrial policy implications.</a:t>
+            </a:r>
+          </a:p>
+          <a:p>
+            <a:r>
+              <a:rPr lang="en-US" dirty="0"/>
+              <a:t>3. "L'IA pour </a:t>
+            </a:r>
+            <a:r>
+              <a:rPr lang="en-US" dirty="0" err="1"/>
+              <a:t>tous</a:t>
+            </a:r>
+            <a:r>
+              <a:rPr lang="en-US" dirty="0"/>
+              <a:t>: Regards </a:t>
+            </a:r>
+            <a:r>
+              <a:rPr lang="en-US" dirty="0" err="1"/>
+              <a:t>croisés</a:t>
+            </a:r>
+            <a:r>
+              <a:rPr lang="en-US" dirty="0"/>
+              <a:t> sur </a:t>
+            </a:r>
+            <a:r>
+              <a:rPr lang="en-US" dirty="0" err="1"/>
+              <a:t>l'intelligence</a:t>
+            </a:r>
+            <a:r>
+              <a:rPr lang="en-US" dirty="0"/>
+              <a:t> </a:t>
+            </a:r>
+            <a:r>
+              <a:rPr lang="en-US" dirty="0" err="1"/>
+              <a:t>artificielle</a:t>
+            </a:r>
+            <a:r>
+              <a:rPr lang="en-US" dirty="0"/>
+              <a:t>" by </a:t>
+            </a:r>
+            <a:r>
+              <a:rPr lang="en-US" dirty="0" err="1"/>
+              <a:t>Collectif</a:t>
+            </a:r>
+            <a:r>
+              <a:rPr lang="en-US" dirty="0"/>
+              <a:t> - This book could provide a comprehensive overview of AI from various perspectives, including its implications for industrial policy in France and beyond.</a:t>
+            </a:r>
+          </a:p>
+          <a:p>
+            <a:r>
+              <a:rPr lang="en-US" dirty="0"/>
+              <a:t>4. "IA et </a:t>
+            </a:r>
+            <a:r>
+              <a:rPr lang="en-US" dirty="0" err="1"/>
+              <a:t>Industrialisation</a:t>
+            </a:r>
+            <a:r>
+              <a:rPr lang="en-US" dirty="0"/>
+              <a:t>: </a:t>
+            </a:r>
+            <a:r>
+              <a:rPr lang="en-US" dirty="0" err="1"/>
+              <a:t>Quelles</a:t>
+            </a:r>
+            <a:r>
+              <a:rPr lang="en-US" dirty="0"/>
+              <a:t> Perspectives pour </a:t>
+            </a:r>
+            <a:r>
+              <a:rPr lang="en-US" dirty="0" err="1"/>
+              <a:t>l'Industrie</a:t>
+            </a:r>
+            <a:r>
+              <a:rPr lang="en-US" dirty="0"/>
+              <a:t> Française?" by Jean-Pierre </a:t>
+            </a:r>
+            <a:r>
+              <a:rPr lang="en-US" dirty="0" err="1"/>
+              <a:t>Corniou</a:t>
+            </a:r>
+            <a:r>
+              <a:rPr lang="en-US" dirty="0"/>
+              <a:t> and Henri Isaac - Focusing specifically on the intersection of AI and industrialization, this book likely offers valuable insights into how AI is shaping the future of French industries and the associated policy considerations.</a:t>
+            </a:r>
+          </a:p>
+          <a:p>
+            <a:r>
+              <a:rPr lang="en-US" dirty="0"/>
+              <a:t>5. "Les </a:t>
+            </a:r>
+            <a:r>
+              <a:rPr lang="en-US" dirty="0" err="1"/>
+              <a:t>défis</a:t>
+            </a:r>
+            <a:r>
+              <a:rPr lang="en-US" dirty="0"/>
+              <a:t> de </a:t>
+            </a:r>
+            <a:r>
+              <a:rPr lang="en-US" dirty="0" err="1"/>
+              <a:t>l'intelligence</a:t>
+            </a:r>
+            <a:r>
+              <a:rPr lang="en-US" dirty="0"/>
+              <a:t> </a:t>
+            </a:r>
+            <a:r>
+              <a:rPr lang="en-US" dirty="0" err="1"/>
+              <a:t>artificielle</a:t>
+            </a:r>
+            <a:r>
+              <a:rPr lang="en-US" dirty="0"/>
+              <a:t>: </a:t>
+            </a:r>
+            <a:r>
+              <a:rPr lang="en-US" dirty="0" err="1"/>
+              <a:t>L'Europe</a:t>
+            </a:r>
+            <a:r>
+              <a:rPr lang="en-US" dirty="0"/>
+              <a:t> face à la nouvelle </a:t>
+            </a:r>
+            <a:r>
+              <a:rPr lang="en-US" dirty="0" err="1"/>
+              <a:t>révolution</a:t>
+            </a:r>
+            <a:r>
+              <a:rPr lang="en-US" dirty="0"/>
+              <a:t> </a:t>
+            </a:r>
+            <a:r>
+              <a:rPr lang="en-US" dirty="0" err="1"/>
+              <a:t>industrielle</a:t>
+            </a:r>
+            <a:r>
+              <a:rPr lang="en-US" dirty="0"/>
+              <a:t>" by Cedric Villani - Given Villani's expertise in mathematics and his involvement in AI policy discussions in France, this book could provide a deep dive into the challenges and opportunities posed by AI for European industries, potentially with a focus on French industrial policy strategies.</a:t>
+            </a:r>
             <a:endParaRPr lang="LID4096" dirty="0"/>
           </a:p>
         </p:txBody>
@@ -4202,7 +4529,7 @@
           <p:cNvPr id="5" name="Picture 4">
             <a:extLst>
               <a:ext uri="{FF2B5EF4-FFF2-40B4-BE49-F238E27FC236}">
-                <a16:creationId xmlns:a16="http://schemas.microsoft.com/office/drawing/2014/main" id="{42B2A214-47AC-90E4-9C6F-84A1655ACB4B}"/>
+                <a16:creationId xmlns:a16="http://schemas.microsoft.com/office/drawing/2014/main" id="{30C7A251-7993-4C65-E74B-08023EACBAF9}"/>
               </a:ext>
             </a:extLst>
           </p:cNvPr>
@@ -4212,15 +4539,15 @@
           <p:nvPr/>
         </p:nvPicPr>
         <p:blipFill>
-          <a:blip r:embed="rId3"/>
+          <a:blip r:embed="rId2"/>
           <a:stretch>
             <a:fillRect/>
           </a:stretch>
         </p:blipFill>
         <p:spPr>
           <a:xfrm>
-            <a:off x="1749337" y="445420"/>
-            <a:ext cx="8937664" cy="5811838"/>
+            <a:off x="397613" y="2019660"/>
+            <a:ext cx="5258410" cy="4595091"/>
           </a:xfrm>
           <a:prstGeom prst="rect">
             <a:avLst/>
@@ -4230,7 +4557,7 @@
     </p:spTree>
     <p:extLst>
       <p:ext uri="{BB962C8B-B14F-4D97-AF65-F5344CB8AC3E}">
-        <p14:creationId xmlns:p14="http://schemas.microsoft.com/office/powerpoint/2010/main" val="3250388024"/>
+        <p14:creationId xmlns:p14="http://schemas.microsoft.com/office/powerpoint/2010/main" val="624013331"/>
       </p:ext>
     </p:extLst>
   </p:cSld>
@@ -4262,7 +4589,7 @@
           <p:cNvPr id="2" name="Title 1">
             <a:extLst>
               <a:ext uri="{FF2B5EF4-FFF2-40B4-BE49-F238E27FC236}">
-                <a16:creationId xmlns:a16="http://schemas.microsoft.com/office/drawing/2014/main" id="{22761073-2F15-A56F-11B6-D647BE619FF4}"/>
+                <a16:creationId xmlns:a16="http://schemas.microsoft.com/office/drawing/2014/main" id="{FA634546-050A-DB57-59FB-15091D3A7E8C}"/>
               </a:ext>
             </a:extLst>
           </p:cNvPr>
@@ -4280,7 +4607,7 @@
           <a:p>
             <a:r>
               <a:rPr lang="en-US" dirty="0"/>
-              <a:t>After</a:t>
+              <a:t>Rankings for single indicators</a:t>
             </a:r>
             <a:endParaRPr lang="LID4096" dirty="0"/>
           </a:p>
@@ -4291,7 +4618,7 @@
           <p:cNvPr id="3" name="Content Placeholder 2">
             <a:extLst>
               <a:ext uri="{FF2B5EF4-FFF2-40B4-BE49-F238E27FC236}">
-                <a16:creationId xmlns:a16="http://schemas.microsoft.com/office/drawing/2014/main" id="{5167BEE6-C3D5-3316-327A-B7AA8DD049AF}"/>
+                <a16:creationId xmlns:a16="http://schemas.microsoft.com/office/drawing/2014/main" id="{5CB489C8-4585-DF08-F995-DDB55A3C23E6}"/>
               </a:ext>
             </a:extLst>
           </p:cNvPr>
@@ -4307,37 +4634,44 @@
           <a:bodyPr/>
           <a:lstStyle/>
           <a:p>
-            <a:r>
-              <a:rPr lang="en-US" dirty="0"/>
-              <a:t>Job board (Also as a business model)</a:t>
-            </a:r>
-          </a:p>
-          <a:p>
-            <a:r>
-              <a:rPr lang="en-US" dirty="0"/>
-              <a:t>Regulation: To do what?</a:t>
-            </a:r>
-          </a:p>
-          <a:p>
-            <a:r>
-              <a:rPr lang="en-US" dirty="0"/>
-              <a:t>Events</a:t>
-            </a:r>
             <a:endParaRPr lang="LID4096" dirty="0"/>
           </a:p>
-          <a:p>
-            <a:r>
-              <a:rPr lang="en-US" dirty="0"/>
-              <a:t>Ranking of AI index</a:t>
-            </a:r>
-            <a:endParaRPr lang="LID4096" dirty="0"/>
-          </a:p>
-        </p:txBody>
-      </p:sp>
+        </p:txBody>
+      </p:sp>
+      <p:pic>
+        <p:nvPicPr>
+          <p:cNvPr id="5" name="Picture 4">
+            <a:extLst>
+              <a:ext uri="{FF2B5EF4-FFF2-40B4-BE49-F238E27FC236}">
+                <a16:creationId xmlns:a16="http://schemas.microsoft.com/office/drawing/2014/main" id="{42B2A214-47AC-90E4-9C6F-84A1655ACB4B}"/>
+              </a:ext>
+            </a:extLst>
+          </p:cNvPr>
+          <p:cNvPicPr>
+            <a:picLocks noChangeAspect="1"/>
+          </p:cNvPicPr>
+          <p:nvPr/>
+        </p:nvPicPr>
+        <p:blipFill>
+          <a:blip r:embed="rId3"/>
+          <a:stretch>
+            <a:fillRect/>
+          </a:stretch>
+        </p:blipFill>
+        <p:spPr>
+          <a:xfrm>
+            <a:off x="1956122" y="1825625"/>
+            <a:ext cx="7349924" cy="4779388"/>
+          </a:xfrm>
+          <a:prstGeom prst="rect">
+            <a:avLst/>
+          </a:prstGeom>
+        </p:spPr>
+      </p:pic>
     </p:spTree>
     <p:extLst>
       <p:ext uri="{BB962C8B-B14F-4D97-AF65-F5344CB8AC3E}">
-        <p14:creationId xmlns:p14="http://schemas.microsoft.com/office/powerpoint/2010/main" val="1010223890"/>
+        <p14:creationId xmlns:p14="http://schemas.microsoft.com/office/powerpoint/2010/main" val="3250388024"/>
       </p:ext>
     </p:extLst>
   </p:cSld>
@@ -4369,7 +4703,7 @@
           <p:cNvPr id="2" name="Title 1">
             <a:extLst>
               <a:ext uri="{FF2B5EF4-FFF2-40B4-BE49-F238E27FC236}">
-                <a16:creationId xmlns:a16="http://schemas.microsoft.com/office/drawing/2014/main" id="{0E9403A8-E7F1-4864-B5CA-07AA78DEC964}"/>
+                <a16:creationId xmlns:a16="http://schemas.microsoft.com/office/drawing/2014/main" id="{54A3A5D6-F9BE-E9A7-223E-500FE87A0663}"/>
               </a:ext>
             </a:extLst>
           </p:cNvPr>
@@ -4378,6 +4712,35 @@
           </p:cNvSpPr>
           <p:nvPr>
             <p:ph type="title"/>
+          </p:nvPr>
+        </p:nvSpPr>
+        <p:spPr/>
+        <p:txBody>
+          <a:bodyPr/>
+          <a:lstStyle/>
+          <a:p>
+            <a:r>
+              <a:rPr lang="en-US" dirty="0"/>
+              <a:t>Manually-created top profiles</a:t>
+            </a:r>
+            <a:endParaRPr lang="LID4096" dirty="0"/>
+          </a:p>
+        </p:txBody>
+      </p:sp>
+      <p:sp>
+        <p:nvSpPr>
+          <p:cNvPr id="3" name="Content Placeholder 2">
+            <a:extLst>
+              <a:ext uri="{FF2B5EF4-FFF2-40B4-BE49-F238E27FC236}">
+                <a16:creationId xmlns:a16="http://schemas.microsoft.com/office/drawing/2014/main" id="{B32642E5-E986-14DD-97C2-8DC202A9E70F}"/>
+              </a:ext>
+            </a:extLst>
+          </p:cNvPr>
+          <p:cNvSpPr>
+            <a:spLocks noGrp="1"/>
+          </p:cNvSpPr>
+          <p:nvPr>
+            <p:ph idx="1"/>
           </p:nvPr>
         </p:nvSpPr>
         <p:spPr/>
@@ -4391,19 +4754,47 @@
       </p:sp>
       <p:pic>
         <p:nvPicPr>
-          <p:cNvPr id="5" name="Content Placeholder 4">
-            <a:extLst>
-              <a:ext uri="{FF2B5EF4-FFF2-40B4-BE49-F238E27FC236}">
-                <a16:creationId xmlns:a16="http://schemas.microsoft.com/office/drawing/2014/main" id="{FFCE7ADE-CF32-B3B0-B98F-D3846806F4F0}"/>
+          <p:cNvPr id="5" name="Picture 4">
+            <a:extLst>
+              <a:ext uri="{FF2B5EF4-FFF2-40B4-BE49-F238E27FC236}">
+                <a16:creationId xmlns:a16="http://schemas.microsoft.com/office/drawing/2014/main" id="{070D4D12-F031-CC38-3555-4C67B825A11D}"/>
               </a:ext>
             </a:extLst>
           </p:cNvPr>
           <p:cNvPicPr>
-            <a:picLocks noGrp="1" noChangeAspect="1"/>
+            <a:picLocks noChangeAspect="1"/>
           </p:cNvPicPr>
-          <p:nvPr>
-            <p:ph idx="1"/>
-          </p:nvPr>
+          <p:nvPr/>
+        </p:nvPicPr>
+        <p:blipFill>
+          <a:blip r:embed="rId2"/>
+          <a:stretch>
+            <a:fillRect/>
+          </a:stretch>
+        </p:blipFill>
+        <p:spPr>
+          <a:xfrm>
+            <a:off x="736717" y="1690688"/>
+            <a:ext cx="2157638" cy="5032375"/>
+          </a:xfrm>
+          <a:prstGeom prst="rect">
+            <a:avLst/>
+          </a:prstGeom>
+        </p:spPr>
+      </p:pic>
+      <p:pic>
+        <p:nvPicPr>
+          <p:cNvPr id="7" name="Picture 6">
+            <a:extLst>
+              <a:ext uri="{FF2B5EF4-FFF2-40B4-BE49-F238E27FC236}">
+                <a16:creationId xmlns:a16="http://schemas.microsoft.com/office/drawing/2014/main" id="{1AD4368D-A493-E6AC-04D0-F8853A20997B}"/>
+              </a:ext>
+            </a:extLst>
+          </p:cNvPr>
+          <p:cNvPicPr>
+            <a:picLocks noChangeAspect="1"/>
+          </p:cNvPicPr>
+          <p:nvPr/>
         </p:nvPicPr>
         <p:blipFill>
           <a:blip r:embed="rId3"/>
@@ -4413,8 +4804,38 @@
         </p:blipFill>
         <p:spPr>
           <a:xfrm>
-            <a:off x="845916" y="365125"/>
-            <a:ext cx="10409898" cy="4351338"/>
+            <a:off x="4053024" y="1768134"/>
+            <a:ext cx="3229426" cy="4877481"/>
+          </a:xfrm>
+          <a:prstGeom prst="rect">
+            <a:avLst/>
+          </a:prstGeom>
+        </p:spPr>
+      </p:pic>
+      <p:pic>
+        <p:nvPicPr>
+          <p:cNvPr id="9" name="Picture 8">
+            <a:extLst>
+              <a:ext uri="{FF2B5EF4-FFF2-40B4-BE49-F238E27FC236}">
+                <a16:creationId xmlns:a16="http://schemas.microsoft.com/office/drawing/2014/main" id="{C9C8EE0F-74F8-878D-DA5C-88FD5761FDAC}"/>
+              </a:ext>
+            </a:extLst>
+          </p:cNvPr>
+          <p:cNvPicPr>
+            <a:picLocks noChangeAspect="1"/>
+          </p:cNvPicPr>
+          <p:nvPr/>
+        </p:nvPicPr>
+        <p:blipFill>
+          <a:blip r:embed="rId4"/>
+          <a:stretch>
+            <a:fillRect/>
+          </a:stretch>
+        </p:blipFill>
+        <p:spPr>
+          <a:xfrm>
+            <a:off x="7825900" y="2181765"/>
+            <a:ext cx="3924848" cy="3639058"/>
           </a:xfrm>
           <a:prstGeom prst="rect">
             <a:avLst/>
@@ -4424,7 +4845,7 @@
     </p:spTree>
     <p:extLst>
       <p:ext uri="{BB962C8B-B14F-4D97-AF65-F5344CB8AC3E}">
-        <p14:creationId xmlns:p14="http://schemas.microsoft.com/office/powerpoint/2010/main" val="1990875325"/>
+        <p14:creationId xmlns:p14="http://schemas.microsoft.com/office/powerpoint/2010/main" val="848393443"/>
       </p:ext>
     </p:extLst>
   </p:cSld>
@@ -4456,6 +4877,349 @@
           <p:cNvPr id="2" name="Title 1">
             <a:extLst>
               <a:ext uri="{FF2B5EF4-FFF2-40B4-BE49-F238E27FC236}">
+                <a16:creationId xmlns:a16="http://schemas.microsoft.com/office/drawing/2014/main" id="{C296B613-D39A-54FC-78E3-BAC0521256B4}"/>
+              </a:ext>
+            </a:extLst>
+          </p:cNvPr>
+          <p:cNvSpPr>
+            <a:spLocks noGrp="1"/>
+          </p:cNvSpPr>
+          <p:nvPr>
+            <p:ph type="title"/>
+          </p:nvPr>
+        </p:nvSpPr>
+        <p:spPr>
+          <a:xfrm>
+            <a:off x="3430929" y="790604"/>
+            <a:ext cx="4432525" cy="447647"/>
+          </a:xfrm>
+        </p:spPr>
+        <p:txBody>
+          <a:bodyPr>
+            <a:normAutofit fontScale="90000"/>
+          </a:bodyPr>
+          <a:lstStyle/>
+          <a:p>
+            <a:r>
+              <a:rPr lang="en-US" dirty="0"/>
+              <a:t>Event Top Pics</a:t>
+            </a:r>
+            <a:endParaRPr lang="LID4096" dirty="0"/>
+          </a:p>
+        </p:txBody>
+      </p:sp>
+      <p:sp>
+        <p:nvSpPr>
+          <p:cNvPr id="3" name="Content Placeholder 2">
+            <a:extLst>
+              <a:ext uri="{FF2B5EF4-FFF2-40B4-BE49-F238E27FC236}">
+                <a16:creationId xmlns:a16="http://schemas.microsoft.com/office/drawing/2014/main" id="{E18784F6-0AE9-62D2-92B6-A9D462254787}"/>
+              </a:ext>
+            </a:extLst>
+          </p:cNvPr>
+          <p:cNvSpPr>
+            <a:spLocks noGrp="1"/>
+          </p:cNvSpPr>
+          <p:nvPr>
+            <p:ph idx="1"/>
+          </p:nvPr>
+        </p:nvSpPr>
+        <p:spPr/>
+        <p:txBody>
+          <a:bodyPr/>
+          <a:lstStyle/>
+          <a:p>
+            <a:endParaRPr lang="LID4096" dirty="0"/>
+          </a:p>
+        </p:txBody>
+      </p:sp>
+      <p:pic>
+        <p:nvPicPr>
+          <p:cNvPr id="1026" name="Picture 2" descr="CEPS Ideas Lab 2024 - CEPS IdeasLab">
+            <a:extLst>
+              <a:ext uri="{FF2B5EF4-FFF2-40B4-BE49-F238E27FC236}">
+                <a16:creationId xmlns:a16="http://schemas.microsoft.com/office/drawing/2014/main" id="{C6ACC057-B5BC-8B9F-6592-67B6242F1429}"/>
+              </a:ext>
+            </a:extLst>
+          </p:cNvPr>
+          <p:cNvPicPr>
+            <a:picLocks noChangeAspect="1" noChangeArrowheads="1"/>
+          </p:cNvPicPr>
+          <p:nvPr/>
+        </p:nvPicPr>
+        <p:blipFill>
+          <a:blip r:embed="rId2">
+            <a:extLst>
+              <a:ext uri="{28A0092B-C50C-407E-A947-70E740481C1C}">
+                <a14:useLocalDpi xmlns:a14="http://schemas.microsoft.com/office/drawing/2010/main" val="0"/>
+              </a:ext>
+            </a:extLst>
+          </a:blip>
+          <a:srcRect/>
+          <a:stretch>
+            <a:fillRect/>
+          </a:stretch>
+        </p:blipFill>
+        <p:spPr bwMode="auto">
+          <a:xfrm>
+            <a:off x="277792" y="2309862"/>
+            <a:ext cx="5139159" cy="2698058"/>
+          </a:xfrm>
+          <a:prstGeom prst="rect">
+            <a:avLst/>
+          </a:prstGeom>
+          <a:noFill/>
+          <a:extLst>
+            <a:ext uri="{909E8E84-426E-40DD-AFC4-6F175D3DCCD1}">
+              <a14:hiddenFill xmlns:a14="http://schemas.microsoft.com/office/drawing/2010/main">
+                <a:solidFill>
+                  <a:srgbClr val="FFFFFF"/>
+                </a:solidFill>
+              </a14:hiddenFill>
+            </a:ext>
+          </a:extLst>
+        </p:spPr>
+      </p:pic>
+      <p:pic>
+        <p:nvPicPr>
+          <p:cNvPr id="5" name="Picture 4">
+            <a:extLst>
+              <a:ext uri="{FF2B5EF4-FFF2-40B4-BE49-F238E27FC236}">
+                <a16:creationId xmlns:a16="http://schemas.microsoft.com/office/drawing/2014/main" id="{57ECB170-6DCA-5562-22E8-2F4395B1033B}"/>
+              </a:ext>
+            </a:extLst>
+          </p:cNvPr>
+          <p:cNvPicPr>
+            <a:picLocks noChangeAspect="1"/>
+          </p:cNvPicPr>
+          <p:nvPr/>
+        </p:nvPicPr>
+        <p:blipFill>
+          <a:blip r:embed="rId3"/>
+          <a:stretch>
+            <a:fillRect/>
+          </a:stretch>
+        </p:blipFill>
+        <p:spPr>
+          <a:xfrm>
+            <a:off x="5977359" y="2309862"/>
+            <a:ext cx="5944430" cy="2572109"/>
+          </a:xfrm>
+          <a:prstGeom prst="rect">
+            <a:avLst/>
+          </a:prstGeom>
+        </p:spPr>
+      </p:pic>
+    </p:spTree>
+    <p:extLst>
+      <p:ext uri="{BB962C8B-B14F-4D97-AF65-F5344CB8AC3E}">
+        <p14:creationId xmlns:p14="http://schemas.microsoft.com/office/powerpoint/2010/main" val="3111978060"/>
+      </p:ext>
+    </p:extLst>
+  </p:cSld>
+  <p:clrMapOvr>
+    <a:masterClrMapping/>
+  </p:clrMapOvr>
+</p:sld>
+</file>
+
+<file path=ppt/slides/slide7.xml><?xml version="1.0" encoding="utf-8"?>
+<p:sld xmlns:a="http://schemas.openxmlformats.org/drawingml/2006/main" xmlns:r="http://schemas.openxmlformats.org/officeDocument/2006/relationships" xmlns:p="http://schemas.openxmlformats.org/presentationml/2006/main">
+  <p:cSld>
+    <p:spTree>
+      <p:nvGrpSpPr>
+        <p:cNvPr id="1" name=""/>
+        <p:cNvGrpSpPr/>
+        <p:nvPr/>
+      </p:nvGrpSpPr>
+      <p:grpSpPr>
+        <a:xfrm>
+          <a:off x="0" y="0"/>
+          <a:ext cx="0" cy="0"/>
+          <a:chOff x="0" y="0"/>
+          <a:chExt cx="0" cy="0"/>
+        </a:xfrm>
+      </p:grpSpPr>
+      <p:sp>
+        <p:nvSpPr>
+          <p:cNvPr id="2" name="Title 1">
+            <a:extLst>
+              <a:ext uri="{FF2B5EF4-FFF2-40B4-BE49-F238E27FC236}">
+                <a16:creationId xmlns:a16="http://schemas.microsoft.com/office/drawing/2014/main" id="{7C2818DD-FB31-FD3B-E65B-8E751EE02167}"/>
+              </a:ext>
+            </a:extLst>
+          </p:cNvPr>
+          <p:cNvSpPr>
+            <a:spLocks noGrp="1"/>
+          </p:cNvSpPr>
+          <p:nvPr>
+            <p:ph type="title"/>
+          </p:nvPr>
+        </p:nvSpPr>
+        <p:spPr/>
+        <p:txBody>
+          <a:bodyPr/>
+          <a:lstStyle/>
+          <a:p>
+            <a:r>
+              <a:rPr lang="en-US" dirty="0"/>
+              <a:t>After</a:t>
+            </a:r>
+            <a:endParaRPr lang="LID4096" dirty="0"/>
+          </a:p>
+        </p:txBody>
+      </p:sp>
+      <p:sp>
+        <p:nvSpPr>
+          <p:cNvPr id="3" name="Content Placeholder 2">
+            <a:extLst>
+              <a:ext uri="{FF2B5EF4-FFF2-40B4-BE49-F238E27FC236}">
+                <a16:creationId xmlns:a16="http://schemas.microsoft.com/office/drawing/2014/main" id="{D2359FFA-8A91-8096-0B90-E8BA091EAB3E}"/>
+              </a:ext>
+            </a:extLst>
+          </p:cNvPr>
+          <p:cNvSpPr>
+            <a:spLocks noGrp="1"/>
+          </p:cNvSpPr>
+          <p:nvPr>
+            <p:ph idx="1"/>
+          </p:nvPr>
+        </p:nvSpPr>
+        <p:spPr/>
+        <p:txBody>
+          <a:bodyPr/>
+          <a:lstStyle/>
+          <a:p>
+            <a:endParaRPr lang="LID4096"/>
+          </a:p>
+        </p:txBody>
+      </p:sp>
+    </p:spTree>
+    <p:extLst>
+      <p:ext uri="{BB962C8B-B14F-4D97-AF65-F5344CB8AC3E}">
+        <p14:creationId xmlns:p14="http://schemas.microsoft.com/office/powerpoint/2010/main" val="1307653433"/>
+      </p:ext>
+    </p:extLst>
+  </p:cSld>
+  <p:clrMapOvr>
+    <a:masterClrMapping/>
+  </p:clrMapOvr>
+</p:sld>
+</file>
+
+<file path=ppt/slides/slide8.xml><?xml version="1.0" encoding="utf-8"?>
+<p:sld xmlns:a="http://schemas.openxmlformats.org/drawingml/2006/main" xmlns:r="http://schemas.openxmlformats.org/officeDocument/2006/relationships" xmlns:p="http://schemas.openxmlformats.org/presentationml/2006/main">
+  <p:cSld>
+    <p:spTree>
+      <p:nvGrpSpPr>
+        <p:cNvPr id="1" name=""/>
+        <p:cNvGrpSpPr/>
+        <p:nvPr/>
+      </p:nvGrpSpPr>
+      <p:grpSpPr>
+        <a:xfrm>
+          <a:off x="0" y="0"/>
+          <a:ext cx="0" cy="0"/>
+          <a:chOff x="0" y="0"/>
+          <a:chExt cx="0" cy="0"/>
+        </a:xfrm>
+      </p:grpSpPr>
+      <p:sp>
+        <p:nvSpPr>
+          <p:cNvPr id="2" name="Title 1">
+            <a:extLst>
+              <a:ext uri="{FF2B5EF4-FFF2-40B4-BE49-F238E27FC236}">
+                <a16:creationId xmlns:a16="http://schemas.microsoft.com/office/drawing/2014/main" id="{0E9403A8-E7F1-4864-B5CA-07AA78DEC964}"/>
+              </a:ext>
+            </a:extLst>
+          </p:cNvPr>
+          <p:cNvSpPr>
+            <a:spLocks noGrp="1"/>
+          </p:cNvSpPr>
+          <p:nvPr>
+            <p:ph type="title"/>
+          </p:nvPr>
+        </p:nvSpPr>
+        <p:spPr/>
+        <p:txBody>
+          <a:bodyPr/>
+          <a:lstStyle/>
+          <a:p>
+            <a:r>
+              <a:rPr lang="en-US" dirty="0"/>
+              <a:t>Multi-variable AI index</a:t>
+            </a:r>
+            <a:endParaRPr lang="LID4096" dirty="0"/>
+          </a:p>
+        </p:txBody>
+      </p:sp>
+      <p:pic>
+        <p:nvPicPr>
+          <p:cNvPr id="5" name="Content Placeholder 4">
+            <a:extLst>
+              <a:ext uri="{FF2B5EF4-FFF2-40B4-BE49-F238E27FC236}">
+                <a16:creationId xmlns:a16="http://schemas.microsoft.com/office/drawing/2014/main" id="{FFCE7ADE-CF32-B3B0-B98F-D3846806F4F0}"/>
+              </a:ext>
+            </a:extLst>
+          </p:cNvPr>
+          <p:cNvPicPr>
+            <a:picLocks noGrp="1" noChangeAspect="1"/>
+          </p:cNvPicPr>
+          <p:nvPr>
+            <p:ph idx="1"/>
+          </p:nvPr>
+        </p:nvPicPr>
+        <p:blipFill>
+          <a:blip r:embed="rId3"/>
+          <a:stretch>
+            <a:fillRect/>
+          </a:stretch>
+        </p:blipFill>
+        <p:spPr>
+          <a:xfrm>
+            <a:off x="943902" y="1927708"/>
+            <a:ext cx="10409898" cy="4351338"/>
+          </a:xfrm>
+          <a:prstGeom prst="rect">
+            <a:avLst/>
+          </a:prstGeom>
+        </p:spPr>
+      </p:pic>
+    </p:spTree>
+    <p:extLst>
+      <p:ext uri="{BB962C8B-B14F-4D97-AF65-F5344CB8AC3E}">
+        <p14:creationId xmlns:p14="http://schemas.microsoft.com/office/powerpoint/2010/main" val="1990875325"/>
+      </p:ext>
+    </p:extLst>
+  </p:cSld>
+  <p:clrMapOvr>
+    <a:masterClrMapping/>
+  </p:clrMapOvr>
+</p:sld>
+</file>
+
+<file path=ppt/slides/slide9.xml><?xml version="1.0" encoding="utf-8"?>
+<p:sld xmlns:a="http://schemas.openxmlformats.org/drawingml/2006/main" xmlns:r="http://schemas.openxmlformats.org/officeDocument/2006/relationships" xmlns:p="http://schemas.openxmlformats.org/presentationml/2006/main">
+  <p:cSld>
+    <p:spTree>
+      <p:nvGrpSpPr>
+        <p:cNvPr id="1" name=""/>
+        <p:cNvGrpSpPr/>
+        <p:nvPr/>
+      </p:nvGrpSpPr>
+      <p:grpSpPr>
+        <a:xfrm>
+          <a:off x="0" y="0"/>
+          <a:ext cx="0" cy="0"/>
+          <a:chOff x="0" y="0"/>
+          <a:chExt cx="0" cy="0"/>
+        </a:xfrm>
+      </p:grpSpPr>
+      <p:sp>
+        <p:nvSpPr>
+          <p:cNvPr id="2" name="Title 1">
+            <a:extLst>
+              <a:ext uri="{FF2B5EF4-FFF2-40B4-BE49-F238E27FC236}">
                 <a16:creationId xmlns:a16="http://schemas.microsoft.com/office/drawing/2014/main" id="{E661BE10-264E-BAAB-0251-E1DC47D93B02}"/>
               </a:ext>
             </a:extLst>
@@ -4472,7 +5236,11 @@
           <a:bodyPr/>
           <a:lstStyle/>
           <a:p>
-            <a:endParaRPr lang="LID4096"/>
+            <a:r>
+              <a:rPr lang="en-US" dirty="0"/>
+              <a:t>Best AI events per location</a:t>
+            </a:r>
+            <a:endParaRPr lang="LID4096" dirty="0"/>
           </a:p>
         </p:txBody>
       </p:sp>
@@ -4501,6 +5269,36 @@
           </a:p>
         </p:txBody>
       </p:sp>
+      <p:pic>
+        <p:nvPicPr>
+          <p:cNvPr id="5" name="Picture 4">
+            <a:extLst>
+              <a:ext uri="{FF2B5EF4-FFF2-40B4-BE49-F238E27FC236}">
+                <a16:creationId xmlns:a16="http://schemas.microsoft.com/office/drawing/2014/main" id="{3861C219-1E4F-6DE3-C0A1-DCB6B158AF1D}"/>
+              </a:ext>
+            </a:extLst>
+          </p:cNvPr>
+          <p:cNvPicPr>
+            <a:picLocks noChangeAspect="1"/>
+          </p:cNvPicPr>
+          <p:nvPr/>
+        </p:nvPicPr>
+        <p:blipFill>
+          <a:blip r:embed="rId2"/>
+          <a:stretch>
+            <a:fillRect/>
+          </a:stretch>
+        </p:blipFill>
+        <p:spPr>
+          <a:xfrm>
+            <a:off x="3197761" y="1690688"/>
+            <a:ext cx="5546401" cy="4230547"/>
+          </a:xfrm>
+          <a:prstGeom prst="rect">
+            <a:avLst/>
+          </a:prstGeom>
+        </p:spPr>
+      </p:pic>
     </p:spTree>
     <p:extLst>
       <p:ext uri="{BB962C8B-B14F-4D97-AF65-F5344CB8AC3E}">
